--- a/docs/source/decision_tree/slides/dt_overfitting.pptx
+++ b/docs/source/decision_tree/slides/dt_overfitting.pptx
@@ -110,6 +110,11 @@
       </a:defRPr>
     </a:lvl9pPr>
   </p:defaultTextStyle>
+  <p:extLst>
+    <p:ext uri="{EFAFB233-063F-42B5-8137-9DF3F51BA10A}">
+      <p15:sldGuideLst xmlns:p15="http://schemas.microsoft.com/office/powerpoint/2012/main"/>
+    </p:ext>
+  </p:extLst>
 </p:presentation>
 </file>
 
@@ -262,7 +267,7 @@
           <a:p>
             <a:fld id="{8E26319F-EBCC-486E-82FA-B6AF8DBE785E}" type="datetimeFigureOut">
               <a:rPr lang="en-NZ" smtClean="0"/>
-              <a:t>4/06/2022</a:t>
+              <a:t>31/05/2025</a:t>
             </a:fld>
             <a:endParaRPr lang="en-NZ"/>
           </a:p>
@@ -462,7 +467,7 @@
           <a:p>
             <a:fld id="{8E26319F-EBCC-486E-82FA-B6AF8DBE785E}" type="datetimeFigureOut">
               <a:rPr lang="en-NZ" smtClean="0"/>
-              <a:t>4/06/2022</a:t>
+              <a:t>31/05/2025</a:t>
             </a:fld>
             <a:endParaRPr lang="en-NZ"/>
           </a:p>
@@ -672,7 +677,7 @@
           <a:p>
             <a:fld id="{8E26319F-EBCC-486E-82FA-B6AF8DBE785E}" type="datetimeFigureOut">
               <a:rPr lang="en-NZ" smtClean="0"/>
-              <a:t>4/06/2022</a:t>
+              <a:t>31/05/2025</a:t>
             </a:fld>
             <a:endParaRPr lang="en-NZ"/>
           </a:p>
@@ -872,7 +877,7 @@
           <a:p>
             <a:fld id="{8E26319F-EBCC-486E-82FA-B6AF8DBE785E}" type="datetimeFigureOut">
               <a:rPr lang="en-NZ" smtClean="0"/>
-              <a:t>4/06/2022</a:t>
+              <a:t>31/05/2025</a:t>
             </a:fld>
             <a:endParaRPr lang="en-NZ"/>
           </a:p>
@@ -1148,7 +1153,7 @@
           <a:p>
             <a:fld id="{8E26319F-EBCC-486E-82FA-B6AF8DBE785E}" type="datetimeFigureOut">
               <a:rPr lang="en-NZ" smtClean="0"/>
-              <a:t>4/06/2022</a:t>
+              <a:t>31/05/2025</a:t>
             </a:fld>
             <a:endParaRPr lang="en-NZ"/>
           </a:p>
@@ -1416,7 +1421,7 @@
           <a:p>
             <a:fld id="{8E26319F-EBCC-486E-82FA-B6AF8DBE785E}" type="datetimeFigureOut">
               <a:rPr lang="en-NZ" smtClean="0"/>
-              <a:t>4/06/2022</a:t>
+              <a:t>31/05/2025</a:t>
             </a:fld>
             <a:endParaRPr lang="en-NZ"/>
           </a:p>
@@ -1831,7 +1836,7 @@
           <a:p>
             <a:fld id="{8E26319F-EBCC-486E-82FA-B6AF8DBE785E}" type="datetimeFigureOut">
               <a:rPr lang="en-NZ" smtClean="0"/>
-              <a:t>4/06/2022</a:t>
+              <a:t>31/05/2025</a:t>
             </a:fld>
             <a:endParaRPr lang="en-NZ"/>
           </a:p>
@@ -1973,7 +1978,7 @@
           <a:p>
             <a:fld id="{8E26319F-EBCC-486E-82FA-B6AF8DBE785E}" type="datetimeFigureOut">
               <a:rPr lang="en-NZ" smtClean="0"/>
-              <a:t>4/06/2022</a:t>
+              <a:t>31/05/2025</a:t>
             </a:fld>
             <a:endParaRPr lang="en-NZ"/>
           </a:p>
@@ -2086,7 +2091,7 @@
           <a:p>
             <a:fld id="{8E26319F-EBCC-486E-82FA-B6AF8DBE785E}" type="datetimeFigureOut">
               <a:rPr lang="en-NZ" smtClean="0"/>
-              <a:t>4/06/2022</a:t>
+              <a:t>31/05/2025</a:t>
             </a:fld>
             <a:endParaRPr lang="en-NZ"/>
           </a:p>
@@ -2399,7 +2404,7 @@
           <a:p>
             <a:fld id="{8E26319F-EBCC-486E-82FA-B6AF8DBE785E}" type="datetimeFigureOut">
               <a:rPr lang="en-NZ" smtClean="0"/>
-              <a:t>4/06/2022</a:t>
+              <a:t>31/05/2025</a:t>
             </a:fld>
             <a:endParaRPr lang="en-NZ"/>
           </a:p>
@@ -2688,7 +2693,7 @@
           <a:p>
             <a:fld id="{8E26319F-EBCC-486E-82FA-B6AF8DBE785E}" type="datetimeFigureOut">
               <a:rPr lang="en-NZ" smtClean="0"/>
-              <a:t>4/06/2022</a:t>
+              <a:t>31/05/2025</a:t>
             </a:fld>
             <a:endParaRPr lang="en-NZ"/>
           </a:p>
@@ -2931,7 +2936,7 @@
           <a:p>
             <a:fld id="{8E26319F-EBCC-486E-82FA-B6AF8DBE785E}" type="datetimeFigureOut">
               <a:rPr lang="en-NZ" smtClean="0"/>
-              <a:t>4/06/2022</a:t>
+              <a:t>31/05/2025</a:t>
             </a:fld>
             <a:endParaRPr lang="en-NZ"/>
           </a:p>
@@ -10885,7 +10890,7 @@
                   <a:schemeClr val="bg1"/>
                 </a:solidFill>
               </a:rPr>
-              <a:t>For example, in the hidden step before we go to “High Temp” for our next level. We have a leaf “Rain” with 4 total cases, and apparently this will the last level we can go given the constrain we put here</a:t>
+              <a:t>For example, in the hidden step before we go to “High Temp” for our next level. We have a leaf “Rain” with 4 total cases, and apparently this will be the last level we can go given the constrain we put here</a:t>
             </a:r>
           </a:p>
         </p:txBody>
@@ -12854,7 +12859,7 @@
                   <a:schemeClr val="bg1"/>
                 </a:solidFill>
               </a:rPr>
-              <a:t>For example, in the hidden step before we go to “High Temp” for our next level. We have a leaf “Rain” with 4 total cases, and apparently this will the last level we can go given the constrain we put here</a:t>
+              <a:t>For example, in the hidden step before we go to “High Temp” for our next level. We have a leaf “Rain” with 4 total cases, and apparently this will be the last level we can go given the constrain we put here</a:t>
             </a:r>
           </a:p>
         </p:txBody>
